--- a/Ressources/images.src/CYBERDEF101-icons-V1r2.pptx
+++ b/Ressources/images.src/CYBERDEF101-icons-V1r2.pptx
@@ -105,6 +105,11 @@
       </a:defRPr>
     </a:lvl9pPr>
   </p:defaultTextStyle>
+  <p:extLst>
+    <p:ext uri="{EFAFB233-063F-42B5-8137-9DF3F51BA10A}">
+      <p15:sldGuideLst xmlns:p15="http://schemas.microsoft.com/office/powerpoint/2012/main"/>
+    </p:ext>
+  </p:extLst>
 </p:presentation>
 </file>
 
@@ -255,7 +260,7 @@
           <a:p>
             <a:fld id="{64E3EBDC-21BA-134F-A22D-3E3D6B6B468F}" type="datetimeFigureOut">
               <a:rPr lang="fr-FR" smtClean="0"/>
-              <a:t>17/10/2019</a:t>
+              <a:t>02/06/2020</a:t>
             </a:fld>
             <a:endParaRPr lang="fr-FR"/>
           </a:p>
@@ -453,7 +458,7 @@
           <a:p>
             <a:fld id="{64E3EBDC-21BA-134F-A22D-3E3D6B6B468F}" type="datetimeFigureOut">
               <a:rPr lang="fr-FR" smtClean="0"/>
-              <a:t>17/10/2019</a:t>
+              <a:t>02/06/2020</a:t>
             </a:fld>
             <a:endParaRPr lang="fr-FR"/>
           </a:p>
@@ -661,7 +666,7 @@
           <a:p>
             <a:fld id="{64E3EBDC-21BA-134F-A22D-3E3D6B6B468F}" type="datetimeFigureOut">
               <a:rPr lang="fr-FR" smtClean="0"/>
-              <a:t>17/10/2019</a:t>
+              <a:t>02/06/2020</a:t>
             </a:fld>
             <a:endParaRPr lang="fr-FR"/>
           </a:p>
@@ -889,7 +894,7 @@
           <a:p>
             <a:fld id="{64E3EBDC-21BA-134F-A22D-3E3D6B6B468F}" type="datetimeFigureOut">
               <a:rPr lang="fr-FR" smtClean="0"/>
-              <a:t>17/10/2019</a:t>
+              <a:t>02/06/2020</a:t>
             </a:fld>
             <a:endParaRPr lang="fr-FR"/>
           </a:p>
@@ -1164,7 +1169,7 @@
           <a:p>
             <a:fld id="{64E3EBDC-21BA-134F-A22D-3E3D6B6B468F}" type="datetimeFigureOut">
               <a:rPr lang="fr-FR" smtClean="0"/>
-              <a:t>17/10/2019</a:t>
+              <a:t>02/06/2020</a:t>
             </a:fld>
             <a:endParaRPr lang="fr-FR"/>
           </a:p>
@@ -1429,7 +1434,7 @@
           <a:p>
             <a:fld id="{64E3EBDC-21BA-134F-A22D-3E3D6B6B468F}" type="datetimeFigureOut">
               <a:rPr lang="fr-FR" smtClean="0"/>
-              <a:t>17/10/2019</a:t>
+              <a:t>02/06/2020</a:t>
             </a:fld>
             <a:endParaRPr lang="fr-FR"/>
           </a:p>
@@ -1841,7 +1846,7 @@
           <a:p>
             <a:fld id="{64E3EBDC-21BA-134F-A22D-3E3D6B6B468F}" type="datetimeFigureOut">
               <a:rPr lang="fr-FR" smtClean="0"/>
-              <a:t>17/10/2019</a:t>
+              <a:t>02/06/2020</a:t>
             </a:fld>
             <a:endParaRPr lang="fr-FR"/>
           </a:p>
@@ -1982,7 +1987,7 @@
           <a:p>
             <a:fld id="{64E3EBDC-21BA-134F-A22D-3E3D6B6B468F}" type="datetimeFigureOut">
               <a:rPr lang="fr-FR" smtClean="0"/>
-              <a:t>17/10/2019</a:t>
+              <a:t>02/06/2020</a:t>
             </a:fld>
             <a:endParaRPr lang="fr-FR"/>
           </a:p>
@@ -2095,7 +2100,7 @@
           <a:p>
             <a:fld id="{64E3EBDC-21BA-134F-A22D-3E3D6B6B468F}" type="datetimeFigureOut">
               <a:rPr lang="fr-FR" smtClean="0"/>
-              <a:t>17/10/2019</a:t>
+              <a:t>02/06/2020</a:t>
             </a:fld>
             <a:endParaRPr lang="fr-FR"/>
           </a:p>
@@ -2406,7 +2411,7 @@
           <a:p>
             <a:fld id="{64E3EBDC-21BA-134F-A22D-3E3D6B6B468F}" type="datetimeFigureOut">
               <a:rPr lang="fr-FR" smtClean="0"/>
-              <a:t>17/10/2019</a:t>
+              <a:t>02/06/2020</a:t>
             </a:fld>
             <a:endParaRPr lang="fr-FR"/>
           </a:p>
@@ -2694,7 +2699,7 @@
           <a:p>
             <a:fld id="{64E3EBDC-21BA-134F-A22D-3E3D6B6B468F}" type="datetimeFigureOut">
               <a:rPr lang="fr-FR" smtClean="0"/>
-              <a:t>17/10/2019</a:t>
+              <a:t>02/06/2020</a:t>
             </a:fld>
             <a:endParaRPr lang="fr-FR"/>
           </a:p>
@@ -2935,7 +2940,7 @@
           <a:p>
             <a:fld id="{64E3EBDC-21BA-134F-A22D-3E3D6B6B468F}" type="datetimeFigureOut">
               <a:rPr lang="fr-FR" smtClean="0"/>
-              <a:t>17/10/2019</a:t>
+              <a:t>02/06/2020</a:t>
             </a:fld>
             <a:endParaRPr lang="fr-FR"/>
           </a:p>
@@ -3406,10 +3411,39 @@
           <a:bodyPr/>
           <a:lstStyle/>
           <a:p>
-            <a:r>
-              <a:rPr lang="fr-FR" dirty="0"/>
-              <a:t>OCD</a:t>
-            </a:r>
+            <a:endParaRPr lang="fr-FR" dirty="0"/>
+          </a:p>
+        </p:txBody>
+      </p:sp>
+      <p:sp>
+        <p:nvSpPr>
+          <p:cNvPr id="4" name="ZoneTexte 3">
+            <a:extLst>
+              <a:ext uri="{FF2B5EF4-FFF2-40B4-BE49-F238E27FC236}">
+                <a16:creationId xmlns:a16="http://schemas.microsoft.com/office/drawing/2014/main" id="{D387BDC9-85FA-284D-A8A5-DACA9B8CF14F}"/>
+              </a:ext>
+            </a:extLst>
+          </p:cNvPr>
+          <p:cNvSpPr txBox="1"/>
+          <p:nvPr/>
+        </p:nvSpPr>
+        <p:spPr>
+          <a:xfrm>
+            <a:off x="618565" y="2864224"/>
+            <a:ext cx="184731" cy="369332"/>
+          </a:xfrm>
+          <a:prstGeom prst="rect">
+            <a:avLst/>
+          </a:prstGeom>
+          <a:noFill/>
+        </p:spPr>
+        <p:txBody>
+          <a:bodyPr wrap="none" rtlCol="0">
+            <a:spAutoFit/>
+          </a:bodyPr>
+          <a:lstStyle/>
+          <a:p>
+            <a:endParaRPr lang="fr-FR" dirty="0"/>
           </a:p>
         </p:txBody>
       </p:sp>
@@ -5542,7 +5576,7 @@
         </p:blipFill>
         <p:spPr>
           <a:xfrm>
-            <a:off x="12373663" y="1971626"/>
+            <a:off x="10304929" y="3000851"/>
             <a:ext cx="1905000" cy="1905000"/>
           </a:xfrm>
           <a:prstGeom prst="rect">
@@ -5628,7 +5662,7 @@
         </p:blipFill>
         <p:spPr>
           <a:xfrm>
-            <a:off x="8743404" y="7364355"/>
+            <a:off x="10559773" y="8010512"/>
             <a:ext cx="1905000" cy="1905000"/>
           </a:xfrm>
           <a:prstGeom prst="rect">
@@ -6144,7 +6178,7 @@
         </p:blipFill>
         <p:spPr>
           <a:xfrm>
-            <a:off x="6009763" y="3057402"/>
+            <a:off x="2839129" y="3378384"/>
             <a:ext cx="1905000" cy="1905000"/>
           </a:xfrm>
           <a:prstGeom prst="rect">
@@ -6359,7 +6393,7 @@
         </p:blipFill>
         <p:spPr>
           <a:xfrm>
-            <a:off x="12497296" y="4426780"/>
+            <a:off x="10450315" y="-415590"/>
             <a:ext cx="1905000" cy="1905000"/>
           </a:xfrm>
           <a:prstGeom prst="rect">
@@ -6531,7 +6565,7 @@
         </p:blipFill>
         <p:spPr>
           <a:xfrm>
-            <a:off x="12781429" y="1134209"/>
+            <a:off x="10690914" y="2024221"/>
             <a:ext cx="1268652" cy="1268652"/>
           </a:xfrm>
           <a:prstGeom prst="rect">
@@ -6574,7 +6608,7 @@
         </p:blipFill>
         <p:spPr>
           <a:xfrm>
-            <a:off x="12699394" y="112990"/>
+            <a:off x="10441389" y="1128673"/>
             <a:ext cx="1223847" cy="1223847"/>
           </a:xfrm>
           <a:prstGeom prst="rect">
